--- a/6_Reports/6_2_Opening_report/Opening_report.pptx
+++ b/6_Reports/6_2_Opening_report/Opening_report.pptx
@@ -227,7 +227,7 @@
           <a:p>
             <a:fld id="{1110AEA8-7D60-4B4B-925F-CD8D252380F6}" type="datetimeFigureOut">
               <a:rPr lang="zh-TW" altLang="en-US" smtClean="0"/>
-              <a:t>2022/12/7</a:t>
+              <a:t>2023/3/31</a:t>
             </a:fld>
             <a:endParaRPr lang="zh-TW" altLang="en-US"/>
           </a:p>
@@ -4448,15 +4448,6 @@
               </a:rPr>
               <a:t>, 167-193.</a:t>
             </a:r>
-            <a:endParaRPr lang="en-US" altLang="zh-TW" sz="1200" b="0" i="0" kern="1200" dirty="0" smtClean="0">
-              <a:solidFill>
-                <a:schemeClr val="tx1"/>
-              </a:solidFill>
-              <a:effectLst/>
-              <a:latin typeface="+mn-lt"/>
-              <a:ea typeface="+mn-ea"/>
-              <a:cs typeface="+mn-cs"/>
-            </a:endParaRPr>
           </a:p>
         </p:txBody>
       </p:sp>
@@ -5822,15 +5813,6 @@
               </a:rPr>
               <a:t>(10), e0257795.</a:t>
             </a:r>
-            <a:endParaRPr lang="en-US" altLang="zh-TW" sz="1200" b="0" i="0" kern="1200" dirty="0" smtClean="0">
-              <a:solidFill>
-                <a:schemeClr val="tx1"/>
-              </a:solidFill>
-              <a:effectLst/>
-              <a:latin typeface="+mn-lt"/>
-              <a:ea typeface="+mn-ea"/>
-              <a:cs typeface="+mn-cs"/>
-            </a:endParaRPr>
           </a:p>
         </p:txBody>
       </p:sp>
@@ -11954,7 +11936,7 @@
           <a:p>
             <a:fld id="{F69B5673-F244-4493-8BC0-FE915B7FFF22}" type="datetimeFigureOut">
               <a:rPr lang="zh-TW" altLang="en-US" smtClean="0"/>
-              <a:t>2022/12/7</a:t>
+              <a:t>2023/3/31</a:t>
             </a:fld>
             <a:endParaRPr lang="zh-TW" altLang="en-US"/>
           </a:p>
@@ -12124,7 +12106,7 @@
           <a:p>
             <a:fld id="{F69B5673-F244-4493-8BC0-FE915B7FFF22}" type="datetimeFigureOut">
               <a:rPr lang="zh-TW" altLang="en-US" smtClean="0"/>
-              <a:t>2022/12/7</a:t>
+              <a:t>2023/3/31</a:t>
             </a:fld>
             <a:endParaRPr lang="zh-TW" altLang="en-US"/>
           </a:p>
@@ -12304,7 +12286,7 @@
           <a:p>
             <a:fld id="{F69B5673-F244-4493-8BC0-FE915B7FFF22}" type="datetimeFigureOut">
               <a:rPr lang="zh-TW" altLang="en-US" smtClean="0"/>
-              <a:t>2022/12/7</a:t>
+              <a:t>2023/3/31</a:t>
             </a:fld>
             <a:endParaRPr lang="zh-TW" altLang="en-US"/>
           </a:p>
@@ -12474,7 +12456,7 @@
           <a:p>
             <a:fld id="{F69B5673-F244-4493-8BC0-FE915B7FFF22}" type="datetimeFigureOut">
               <a:rPr lang="zh-TW" altLang="en-US" smtClean="0"/>
-              <a:t>2022/12/7</a:t>
+              <a:t>2023/3/31</a:t>
             </a:fld>
             <a:endParaRPr lang="zh-TW" altLang="en-US"/>
           </a:p>
@@ -12720,7 +12702,7 @@
           <a:p>
             <a:fld id="{F69B5673-F244-4493-8BC0-FE915B7FFF22}" type="datetimeFigureOut">
               <a:rPr lang="zh-TW" altLang="en-US" smtClean="0"/>
-              <a:t>2022/12/7</a:t>
+              <a:t>2023/3/31</a:t>
             </a:fld>
             <a:endParaRPr lang="zh-TW" altLang="en-US"/>
           </a:p>
@@ -12952,7 +12934,7 @@
           <a:p>
             <a:fld id="{F69B5673-F244-4493-8BC0-FE915B7FFF22}" type="datetimeFigureOut">
               <a:rPr lang="zh-TW" altLang="en-US" smtClean="0"/>
-              <a:t>2022/12/7</a:t>
+              <a:t>2023/3/31</a:t>
             </a:fld>
             <a:endParaRPr lang="zh-TW" altLang="en-US"/>
           </a:p>
@@ -13319,7 +13301,7 @@
           <a:p>
             <a:fld id="{F69B5673-F244-4493-8BC0-FE915B7FFF22}" type="datetimeFigureOut">
               <a:rPr lang="zh-TW" altLang="en-US" smtClean="0"/>
-              <a:t>2022/12/7</a:t>
+              <a:t>2023/3/31</a:t>
             </a:fld>
             <a:endParaRPr lang="zh-TW" altLang="en-US"/>
           </a:p>
@@ -13437,7 +13419,7 @@
           <a:p>
             <a:fld id="{F69B5673-F244-4493-8BC0-FE915B7FFF22}" type="datetimeFigureOut">
               <a:rPr lang="zh-TW" altLang="en-US" smtClean="0"/>
-              <a:t>2022/12/7</a:t>
+              <a:t>2023/3/31</a:t>
             </a:fld>
             <a:endParaRPr lang="zh-TW" altLang="en-US"/>
           </a:p>
@@ -13532,7 +13514,7 @@
           <a:p>
             <a:fld id="{F69B5673-F244-4493-8BC0-FE915B7FFF22}" type="datetimeFigureOut">
               <a:rPr lang="zh-TW" altLang="en-US" smtClean="0"/>
-              <a:t>2022/12/7</a:t>
+              <a:t>2023/3/31</a:t>
             </a:fld>
             <a:endParaRPr lang="zh-TW" altLang="en-US"/>
           </a:p>
@@ -13809,7 +13791,7 @@
           <a:p>
             <a:fld id="{F69B5673-F244-4493-8BC0-FE915B7FFF22}" type="datetimeFigureOut">
               <a:rPr lang="zh-TW" altLang="en-US" smtClean="0"/>
-              <a:t>2022/12/7</a:t>
+              <a:t>2023/3/31</a:t>
             </a:fld>
             <a:endParaRPr lang="zh-TW" altLang="en-US"/>
           </a:p>
@@ -14062,7 +14044,7 @@
           <a:p>
             <a:fld id="{F69B5673-F244-4493-8BC0-FE915B7FFF22}" type="datetimeFigureOut">
               <a:rPr lang="zh-TW" altLang="en-US" smtClean="0"/>
-              <a:t>2022/12/7</a:t>
+              <a:t>2023/3/31</a:t>
             </a:fld>
             <a:endParaRPr lang="zh-TW" altLang="en-US"/>
           </a:p>
@@ -14275,7 +14257,7 @@
           <a:p>
             <a:fld id="{F69B5673-F244-4493-8BC0-FE915B7FFF22}" type="datetimeFigureOut">
               <a:rPr lang="zh-TW" altLang="en-US" smtClean="0"/>
-              <a:t>2022/12/7</a:t>
+              <a:t>2023/3/31</a:t>
             </a:fld>
             <a:endParaRPr lang="zh-TW" altLang="en-US"/>
           </a:p>
@@ -18602,18 +18584,7 @@
                   <a:latin typeface="Times New Roman" panose="02020603050405020304" pitchFamily="18" charset="0"/>
                   <a:cs typeface="Times New Roman" panose="02020603050405020304" pitchFamily="18" charset="0"/>
                 </a:rPr>
-                <a:t>Social </a:t>
-              </a:r>
-              <a:r>
-                <a:rPr lang="en-US" altLang="zh-CN" sz="2800" b="1" dirty="0" smtClean="0">
-                  <a:ln w="0"/>
-                  <a:solidFill>
-                    <a:schemeClr val="bg1"/>
-                  </a:solidFill>
-                  <a:latin typeface="Times New Roman" panose="02020603050405020304" pitchFamily="18" charset="0"/>
-                  <a:cs typeface="Times New Roman" panose="02020603050405020304" pitchFamily="18" charset="0"/>
-                </a:rPr>
-                <a:t>Comparison</a:t>
+                <a:t>Social Comparison</a:t>
               </a:r>
               <a:endParaRPr lang="zh-CN" altLang="en-US" sz="2800" b="1" cap="none" spc="0" dirty="0">
                 <a:ln w="0"/>
@@ -18746,17 +18717,7 @@
                 <a:latin typeface="Times New Roman" panose="02020603050405020304" pitchFamily="18" charset="0"/>
                 <a:ea typeface="宋体" panose="02010600030101010101" pitchFamily="2" charset="-122"/>
               </a:rPr>
-              <a:t>, 1977</a:t>
-            </a:r>
-            <a:r>
-              <a:rPr lang="en-US" altLang="zh-TW" dirty="0" smtClean="0">
-                <a:solidFill>
-                  <a:srgbClr val="00B0F0"/>
-                </a:solidFill>
-                <a:latin typeface="Times New Roman" panose="02020603050405020304" pitchFamily="18" charset="0"/>
-                <a:ea typeface="宋体" panose="02010600030101010101" pitchFamily="2" charset="-122"/>
-              </a:rPr>
-              <a:t>)</a:t>
+              <a:t>, 1977)</a:t>
             </a:r>
           </a:p>
           <a:p>
@@ -19374,18 +19335,7 @@
                   <a:latin typeface="Times New Roman" panose="02020603050405020304" pitchFamily="18" charset="0"/>
                   <a:cs typeface="Times New Roman" panose="02020603050405020304" pitchFamily="18" charset="0"/>
                 </a:rPr>
-                <a:t>Social </a:t>
-              </a:r>
-              <a:r>
-                <a:rPr lang="en-US" altLang="zh-CN" sz="2800" b="1" dirty="0" smtClean="0">
-                  <a:ln w="0"/>
-                  <a:solidFill>
-                    <a:schemeClr val="bg1"/>
-                  </a:solidFill>
-                  <a:latin typeface="Times New Roman" panose="02020603050405020304" pitchFamily="18" charset="0"/>
-                  <a:cs typeface="Times New Roman" panose="02020603050405020304" pitchFamily="18" charset="0"/>
-                </a:rPr>
-                <a:t>Comparison</a:t>
+                <a:t>Social Comparison</a:t>
               </a:r>
               <a:endParaRPr lang="zh-CN" altLang="en-US" sz="2800" b="1" cap="none" spc="0" dirty="0">
                 <a:ln w="0"/>
@@ -19963,18 +19913,7 @@
                   <a:latin typeface="Times New Roman" panose="02020603050405020304" pitchFamily="18" charset="0"/>
                   <a:cs typeface="Times New Roman" panose="02020603050405020304" pitchFamily="18" charset="0"/>
                 </a:rPr>
-                <a:t>Social </a:t>
-              </a:r>
-              <a:r>
-                <a:rPr lang="en-US" altLang="zh-CN" sz="2800" b="1" dirty="0" smtClean="0">
-                  <a:ln w="0"/>
-                  <a:solidFill>
-                    <a:schemeClr val="bg1"/>
-                  </a:solidFill>
-                  <a:latin typeface="Times New Roman" panose="02020603050405020304" pitchFamily="18" charset="0"/>
-                  <a:cs typeface="Times New Roman" panose="02020603050405020304" pitchFamily="18" charset="0"/>
-                </a:rPr>
-                <a:t>Comparison</a:t>
+                <a:t>Social Comparison</a:t>
               </a:r>
               <a:endParaRPr lang="zh-CN" altLang="en-US" sz="2800" b="1" cap="none" spc="0" dirty="0">
                 <a:ln w="0"/>
@@ -20016,11 +19955,7 @@
             </a:pPr>
             <a:r>
               <a:rPr lang="zh-CN" altLang="en-US" b="1" dirty="0" smtClean="0"/>
-              <a:t>以往很少有研究讨论，为什么向下比较会产生这些积极的</a:t>
-            </a:r>
-            <a:r>
-              <a:rPr lang="zh-CN" altLang="en-US" b="1" dirty="0" smtClean="0"/>
-              <a:t>效果</a:t>
+              <a:t>以往很少有研究讨论，为什么向下比较会产生这些积极的效果</a:t>
             </a:r>
             <a:endParaRPr lang="en-US" altLang="zh-CN" b="1" dirty="0" smtClean="0"/>
           </a:p>
@@ -20361,26 +20296,7 @@
                 <a:ea typeface="宋体" panose="02010600030101010101" pitchFamily="2" charset="-122"/>
                 <a:cs typeface="Times New Roman" panose="02020603050405020304" pitchFamily="18" charset="0"/>
               </a:rPr>
-              <a:t>优越感提升生活</a:t>
-            </a:r>
-            <a:r>
-              <a:rPr lang="zh-CN" altLang="en-US" sz="2800" b="1" dirty="0" smtClean="0">
-                <a:ln w="0"/>
-                <a:solidFill>
-                  <a:schemeClr val="bg1"/>
-                </a:solidFill>
-                <a:effectLst>
-                  <a:outerShdw blurRad="38100" dist="19050" dir="2700000" algn="tl" rotWithShape="0">
-                    <a:schemeClr val="dk1">
-                      <a:alpha val="40000"/>
-                    </a:schemeClr>
-                  </a:outerShdw>
-                </a:effectLst>
-                <a:latin typeface="Times New Roman" panose="02020603050405020304" pitchFamily="18" charset="0"/>
-                <a:ea typeface="宋体" panose="02010600030101010101" pitchFamily="2" charset="-122"/>
-                <a:cs typeface="Times New Roman" panose="02020603050405020304" pitchFamily="18" charset="0"/>
-              </a:rPr>
-              <a:t>满意度</a:t>
+              <a:t>优越感提升生活满意度</a:t>
             </a:r>
             <a:endParaRPr lang="zh-TW" altLang="en-US" sz="2800" b="1" dirty="0">
               <a:ln w="0"/>
@@ -20943,26 +20859,7 @@
                 <a:ea typeface="宋体" panose="02010600030101010101" pitchFamily="2" charset="-122"/>
                 <a:cs typeface="Times New Roman" panose="02020603050405020304" pitchFamily="18" charset="0"/>
               </a:rPr>
-              <a:t>优越感提升生活</a:t>
-            </a:r>
-            <a:r>
-              <a:rPr lang="zh-CN" altLang="en-US" sz="2800" b="1" dirty="0" smtClean="0">
-                <a:ln w="0"/>
-                <a:solidFill>
-                  <a:schemeClr val="bg1"/>
-                </a:solidFill>
-                <a:effectLst>
-                  <a:outerShdw blurRad="38100" dist="19050" dir="2700000" algn="tl" rotWithShape="0">
-                    <a:schemeClr val="dk1">
-                      <a:alpha val="40000"/>
-                    </a:schemeClr>
-                  </a:outerShdw>
-                </a:effectLst>
-                <a:latin typeface="Times New Roman" panose="02020603050405020304" pitchFamily="18" charset="0"/>
-                <a:ea typeface="宋体" panose="02010600030101010101" pitchFamily="2" charset="-122"/>
-                <a:cs typeface="Times New Roman" panose="02020603050405020304" pitchFamily="18" charset="0"/>
-              </a:rPr>
-              <a:t>满意度</a:t>
+              <a:t>优越感提升生活满意度</a:t>
             </a:r>
             <a:endParaRPr lang="zh-TW" altLang="en-US" sz="2800" b="1" dirty="0">
               <a:ln w="0"/>
@@ -21613,26 +21510,7 @@
                 <a:ea typeface="宋体" panose="02010600030101010101" pitchFamily="2" charset="-122"/>
                 <a:cs typeface="Times New Roman" panose="02020603050405020304" pitchFamily="18" charset="0"/>
               </a:rPr>
-              <a:t>优越感提升生活</a:t>
-            </a:r>
-            <a:r>
-              <a:rPr lang="zh-CN" altLang="en-US" sz="2800" b="1" dirty="0" smtClean="0">
-                <a:ln w="0"/>
-                <a:solidFill>
-                  <a:schemeClr val="bg1"/>
-                </a:solidFill>
-                <a:effectLst>
-                  <a:outerShdw blurRad="38100" dist="19050" dir="2700000" algn="tl" rotWithShape="0">
-                    <a:schemeClr val="dk1">
-                      <a:alpha val="40000"/>
-                    </a:schemeClr>
-                  </a:outerShdw>
-                </a:effectLst>
-                <a:latin typeface="Times New Roman" panose="02020603050405020304" pitchFamily="18" charset="0"/>
-                <a:ea typeface="宋体" panose="02010600030101010101" pitchFamily="2" charset="-122"/>
-                <a:cs typeface="Times New Roman" panose="02020603050405020304" pitchFamily="18" charset="0"/>
-              </a:rPr>
-              <a:t>满意度</a:t>
+              <a:t>优越感提升生活满意度</a:t>
             </a:r>
             <a:endParaRPr lang="zh-TW" altLang="en-US" sz="2800" b="1" dirty="0">
               <a:ln w="0"/>
@@ -26094,11 +25972,7 @@
             </a:pPr>
             <a:r>
               <a:rPr lang="zh-CN" altLang="en-US" b="1" dirty="0" smtClean="0"/>
-              <a:t>尽管已经有文章讨论了社会比较倾向越高的人，越容易体验到相对剥夺感</a:t>
-            </a:r>
-            <a:r>
-              <a:rPr lang="zh-CN" altLang="en-US" b="1" dirty="0" smtClean="0"/>
-              <a:t>。</a:t>
+              <a:t>尽管已经有文章讨论了社会比较倾向越高的人，越容易体验到相对剥夺感。</a:t>
             </a:r>
             <a:endParaRPr lang="en-US" altLang="zh-CN" b="1" dirty="0" smtClean="0"/>
           </a:p>
@@ -29755,13 +29629,7 @@
               <a:rPr lang="zh-CN" altLang="en-US" b="1" dirty="0" smtClean="0">
                 <a:latin typeface="Times New Roman" panose="02020603050405020304" pitchFamily="18" charset="0"/>
               </a:rPr>
-              <a:t> 解释了这种</a:t>
-            </a:r>
-            <a:r>
-              <a:rPr lang="zh-CN" altLang="en-US" b="1" dirty="0" smtClean="0">
-                <a:latin typeface="Times New Roman" panose="02020603050405020304" pitchFamily="18" charset="0"/>
-              </a:rPr>
-              <a:t>矛盾</a:t>
+              <a:t> 解释了这种矛盾</a:t>
             </a:r>
             <a:endParaRPr lang="en-US" altLang="zh-CN" b="1" dirty="0" smtClean="0">
               <a:latin typeface="Times New Roman" panose="02020603050405020304" pitchFamily="18" charset="0"/>
@@ -33024,11 +32892,7 @@
             </a:r>
             <a:r>
               <a:rPr lang="zh-CN" altLang="en-US" b="1" dirty="0" smtClean="0"/>
-              <a:t>比较。亦或者，只从社会比较方向的角度触发，讨论向上比较和向下比较产生积极或消极的结果，而不涉及社会比较倾向</a:t>
-            </a:r>
-            <a:r>
-              <a:rPr lang="zh-CN" altLang="en-US" b="1" dirty="0" smtClean="0"/>
-              <a:t>。</a:t>
+              <a:t>比较。亦或者，只从社会比较方向的角度触发，讨论向上比较和向下比较产生积极或消极的结果，而不涉及社会比较倾向。</a:t>
             </a:r>
             <a:endParaRPr lang="en-US" altLang="zh-CN" b="1" dirty="0" smtClean="0"/>
           </a:p>
@@ -33478,6 +33342,35 @@
               <a:t>Thanks </a:t>
             </a:r>
             <a:endParaRPr lang="zh-TW" altLang="en-US" sz="9600" dirty="0"/>
+          </a:p>
+        </p:txBody>
+      </p:sp>
+      <p:sp>
+        <p:nvSpPr>
+          <p:cNvPr id="3" name="矩形 2"/>
+          <p:cNvSpPr/>
+          <p:nvPr/>
+        </p:nvSpPr>
+        <p:spPr>
+          <a:xfrm>
+            <a:off x="5737937" y="6473485"/>
+            <a:ext cx="3287310" cy="369332"/>
+          </a:xfrm>
+          <a:prstGeom prst="rect">
+            <a:avLst/>
+          </a:prstGeom>
+        </p:spPr>
+        <p:txBody>
+          <a:bodyPr wrap="none">
+            <a:spAutoFit/>
+          </a:bodyPr>
+          <a:lstStyle/>
+          <a:p>
+            <a:r>
+              <a:rPr lang="en-US" altLang="zh-TW" dirty="0"/>
+              <a:t>https://github.com/sinnyuki/SCO</a:t>
+            </a:r>
+            <a:endParaRPr lang="zh-TW" altLang="en-US" dirty="0"/>
           </a:p>
         </p:txBody>
       </p:sp>
